--- a/BLE Spec.pptx
+++ b/BLE Spec.pptx
@@ -11,6 +11,12 @@
     <p:sldId id="259" r:id="rId5"/>
     <p:sldId id="260" r:id="rId6"/>
     <p:sldId id="261" r:id="rId7"/>
+    <p:sldId id="262" r:id="rId8"/>
+    <p:sldId id="263" r:id="rId9"/>
+    <p:sldId id="264" r:id="rId10"/>
+    <p:sldId id="265" r:id="rId11"/>
+    <p:sldId id="266" r:id="rId12"/>
+    <p:sldId id="267" r:id="rId13"/>
   </p:sldIdLst>
   <p:sldSz cx="12192000" cy="6858000"/>
   <p:notesSz cx="6858000" cy="9144000"/>
@@ -109,6 +115,11 @@
       </a:defRPr>
     </a:lvl9pPr>
   </p:defaultTextStyle>
+  <p:extLst>
+    <p:ext uri="{EFAFB233-063F-42B5-8137-9DF3F51BA10A}">
+      <p15:sldGuideLst xmlns:p15="http://schemas.microsoft.com/office/powerpoint/2012/main"/>
+    </p:ext>
+  </p:extLst>
 </p:presentation>
 </file>
 
@@ -3389,6 +3400,831 @@
 </p:sld>
 </file>
 
+<file path=ppt/slides/slide10.xml><?xml version="1.0" encoding="utf-8"?>
+<p:sld xmlns:a="http://schemas.openxmlformats.org/drawingml/2006/main" xmlns:r="http://schemas.openxmlformats.org/officeDocument/2006/relationships" xmlns:p="http://schemas.openxmlformats.org/presentationml/2006/main">
+  <p:cSld>
+    <p:spTree>
+      <p:nvGrpSpPr>
+        <p:cNvPr id="1" name=""/>
+        <p:cNvGrpSpPr/>
+        <p:nvPr/>
+      </p:nvGrpSpPr>
+      <p:grpSpPr>
+        <a:xfrm>
+          <a:off x="0" y="0"/>
+          <a:ext cx="0" cy="0"/>
+          <a:chOff x="0" y="0"/>
+          <a:chExt cx="0" cy="0"/>
+        </a:xfrm>
+      </p:grpSpPr>
+      <p:sp>
+        <p:nvSpPr>
+          <p:cNvPr id="2" name="Title 1"/>
+          <p:cNvSpPr>
+            <a:spLocks noGrp="1"/>
+          </p:cNvSpPr>
+          <p:nvPr>
+            <p:ph type="title"/>
+          </p:nvPr>
+        </p:nvSpPr>
+        <p:spPr/>
+        <p:txBody>
+          <a:bodyPr/>
+          <a:lstStyle/>
+          <a:p>
+            <a:endParaRPr lang="en-US"/>
+          </a:p>
+        </p:txBody>
+      </p:sp>
+      <p:sp>
+        <p:nvSpPr>
+          <p:cNvPr id="3" name="Content Placeholder 2"/>
+          <p:cNvSpPr>
+            <a:spLocks noGrp="1"/>
+          </p:cNvSpPr>
+          <p:nvPr>
+            <p:ph idx="1"/>
+          </p:nvPr>
+        </p:nvSpPr>
+        <p:spPr/>
+        <p:txBody>
+          <a:bodyPr/>
+          <a:lstStyle/>
+          <a:p>
+            <a:r>
+              <a:rPr lang="en-US" dirty="0" smtClean="0"/>
+              <a:t>Scan interval: </a:t>
+            </a:r>
+            <a:r>
+              <a:rPr lang="en-US" dirty="0" err="1" smtClean="0"/>
+              <a:t>chu</a:t>
+            </a:r>
+            <a:r>
+              <a:rPr lang="en-US" dirty="0" smtClean="0"/>
+              <a:t> </a:t>
+            </a:r>
+            <a:r>
+              <a:rPr lang="en-US" dirty="0" err="1" smtClean="0"/>
+              <a:t>kỳ</a:t>
+            </a:r>
+            <a:r>
+              <a:rPr lang="en-US" dirty="0" smtClean="0"/>
+              <a:t> scan </a:t>
+            </a:r>
+            <a:r>
+              <a:rPr lang="en-US" dirty="0" err="1" smtClean="0"/>
+              <a:t>mỗi</a:t>
+            </a:r>
+            <a:r>
+              <a:rPr lang="en-US" dirty="0" smtClean="0"/>
+              <a:t> </a:t>
+            </a:r>
+            <a:r>
+              <a:rPr lang="en-US" dirty="0" err="1" smtClean="0"/>
+              <a:t>lần</a:t>
+            </a:r>
+            <a:r>
+              <a:rPr lang="en-US" dirty="0" smtClean="0"/>
+              <a:t> </a:t>
+            </a:r>
+            <a:r>
+              <a:rPr lang="en-US" dirty="0" err="1" smtClean="0"/>
+              <a:t>cách</a:t>
+            </a:r>
+            <a:r>
+              <a:rPr lang="en-US" dirty="0" smtClean="0"/>
+              <a:t> </a:t>
+            </a:r>
+            <a:r>
+              <a:rPr lang="en-US" dirty="0" err="1" smtClean="0"/>
+              <a:t>nhau</a:t>
+            </a:r>
+            <a:r>
+              <a:rPr lang="en-US" dirty="0" smtClean="0"/>
+              <a:t> </a:t>
+            </a:r>
+            <a:r>
+              <a:rPr lang="en-US" dirty="0" err="1" smtClean="0"/>
+              <a:t>bao</a:t>
+            </a:r>
+            <a:r>
+              <a:rPr lang="en-US" dirty="0" smtClean="0"/>
+              <a:t> </a:t>
+            </a:r>
+            <a:r>
+              <a:rPr lang="en-US" dirty="0" err="1" smtClean="0"/>
+              <a:t>lâu</a:t>
+            </a:r>
+            <a:r>
+              <a:rPr lang="en-US" dirty="0" smtClean="0"/>
+              <a:t> </a:t>
+            </a:r>
+          </a:p>
+          <a:p>
+            <a:r>
+              <a:rPr lang="en-US" dirty="0" smtClean="0"/>
+              <a:t>Scan window: </a:t>
+            </a:r>
+            <a:r>
+              <a:rPr lang="en-US" dirty="0" err="1" smtClean="0"/>
+              <a:t>thời</a:t>
+            </a:r>
+            <a:r>
+              <a:rPr lang="en-US" dirty="0" smtClean="0"/>
+              <a:t> </a:t>
+            </a:r>
+            <a:r>
+              <a:rPr lang="en-US" dirty="0" err="1" smtClean="0"/>
+              <a:t>gian</a:t>
+            </a:r>
+            <a:r>
+              <a:rPr lang="en-US" dirty="0" smtClean="0"/>
+              <a:t> </a:t>
+            </a:r>
+            <a:r>
+              <a:rPr lang="en-US" dirty="0" err="1" smtClean="0"/>
+              <a:t>để</a:t>
+            </a:r>
+            <a:r>
+              <a:rPr lang="en-US" dirty="0" smtClean="0"/>
+              <a:t> scanning </a:t>
+            </a:r>
+            <a:r>
+              <a:rPr lang="en-US" dirty="0" err="1" smtClean="0"/>
+              <a:t>các</a:t>
+            </a:r>
+            <a:r>
+              <a:rPr lang="en-US" dirty="0" smtClean="0"/>
+              <a:t> packets </a:t>
+            </a:r>
+            <a:r>
+              <a:rPr lang="en-US" dirty="0" err="1" smtClean="0"/>
+              <a:t>cho</a:t>
+            </a:r>
+            <a:r>
+              <a:rPr lang="en-US" dirty="0" smtClean="0"/>
+              <a:t> </a:t>
+            </a:r>
+            <a:r>
+              <a:rPr lang="en-US" dirty="0" err="1" smtClean="0"/>
+              <a:t>mỗi</a:t>
+            </a:r>
+            <a:r>
+              <a:rPr lang="en-US" dirty="0" smtClean="0"/>
+              <a:t> </a:t>
+            </a:r>
+            <a:r>
+              <a:rPr lang="en-US" dirty="0" err="1" smtClean="0"/>
+              <a:t>lần</a:t>
+            </a:r>
+            <a:r>
+              <a:rPr lang="en-US" dirty="0" smtClean="0"/>
+              <a:t> scan interval </a:t>
+            </a:r>
+            <a:endParaRPr lang="en-US" dirty="0"/>
+          </a:p>
+        </p:txBody>
+      </p:sp>
+      <p:pic>
+        <p:nvPicPr>
+          <p:cNvPr id="4" name="Picture 3"/>
+          <p:cNvPicPr>
+            <a:picLocks noChangeAspect="1"/>
+          </p:cNvPicPr>
+          <p:nvPr/>
+        </p:nvPicPr>
+        <p:blipFill>
+          <a:blip r:embed="rId2"/>
+          <a:stretch>
+            <a:fillRect/>
+          </a:stretch>
+        </p:blipFill>
+        <p:spPr>
+          <a:xfrm>
+            <a:off x="2784364" y="3898851"/>
+            <a:ext cx="6379955" cy="2835536"/>
+          </a:xfrm>
+          <a:prstGeom prst="rect">
+            <a:avLst/>
+          </a:prstGeom>
+        </p:spPr>
+      </p:pic>
+    </p:spTree>
+    <p:extLst>
+      <p:ext uri="{BB962C8B-B14F-4D97-AF65-F5344CB8AC3E}">
+        <p14:creationId xmlns:p14="http://schemas.microsoft.com/office/powerpoint/2010/main" val="3851517475"/>
+      </p:ext>
+    </p:extLst>
+  </p:cSld>
+  <p:clrMapOvr>
+    <a:masterClrMapping/>
+  </p:clrMapOvr>
+</p:sld>
+</file>
+
+<file path=ppt/slides/slide11.xml><?xml version="1.0" encoding="utf-8"?>
+<p:sld xmlns:a="http://schemas.openxmlformats.org/drawingml/2006/main" xmlns:r="http://schemas.openxmlformats.org/officeDocument/2006/relationships" xmlns:p="http://schemas.openxmlformats.org/presentationml/2006/main">
+  <p:cSld>
+    <p:spTree>
+      <p:nvGrpSpPr>
+        <p:cNvPr id="1" name=""/>
+        <p:cNvGrpSpPr/>
+        <p:nvPr/>
+      </p:nvGrpSpPr>
+      <p:grpSpPr>
+        <a:xfrm>
+          <a:off x="0" y="0"/>
+          <a:ext cx="0" cy="0"/>
+          <a:chOff x="0" y="0"/>
+          <a:chExt cx="0" cy="0"/>
+        </a:xfrm>
+      </p:grpSpPr>
+      <p:sp>
+        <p:nvSpPr>
+          <p:cNvPr id="2" name="Title 1"/>
+          <p:cNvSpPr>
+            <a:spLocks noGrp="1"/>
+          </p:cNvSpPr>
+          <p:nvPr>
+            <p:ph type="title"/>
+          </p:nvPr>
+        </p:nvSpPr>
+        <p:spPr/>
+        <p:txBody>
+          <a:bodyPr/>
+          <a:lstStyle/>
+          <a:p>
+            <a:endParaRPr lang="en-US"/>
+          </a:p>
+        </p:txBody>
+      </p:sp>
+      <p:sp>
+        <p:nvSpPr>
+          <p:cNvPr id="3" name="Content Placeholder 2"/>
+          <p:cNvSpPr>
+            <a:spLocks noGrp="1"/>
+          </p:cNvSpPr>
+          <p:nvPr>
+            <p:ph idx="1"/>
+          </p:nvPr>
+        </p:nvSpPr>
+        <p:spPr/>
+        <p:txBody>
+          <a:bodyPr/>
+          <a:lstStyle/>
+          <a:p>
+            <a:r>
+              <a:rPr lang="en-US" dirty="0" smtClean="0"/>
+              <a:t>Scan request: central </a:t>
+            </a:r>
+            <a:r>
+              <a:rPr lang="en-US" dirty="0" err="1" smtClean="0"/>
+              <a:t>gửi</a:t>
+            </a:r>
+            <a:r>
+              <a:rPr lang="en-US" dirty="0" smtClean="0"/>
+              <a:t> message </a:t>
+            </a:r>
+            <a:r>
+              <a:rPr lang="en-US" dirty="0" err="1" smtClean="0"/>
+              <a:t>cho</a:t>
+            </a:r>
+            <a:r>
+              <a:rPr lang="en-US" dirty="0" smtClean="0"/>
+              <a:t> peripheral </a:t>
+            </a:r>
+            <a:r>
+              <a:rPr lang="en-US" dirty="0" err="1" smtClean="0"/>
+              <a:t>để</a:t>
+            </a:r>
+            <a:r>
+              <a:rPr lang="en-US" dirty="0" smtClean="0"/>
+              <a:t> </a:t>
+            </a:r>
+            <a:r>
+              <a:rPr lang="en-US" dirty="0" err="1" smtClean="0"/>
+              <a:t>lấy</a:t>
+            </a:r>
+            <a:r>
+              <a:rPr lang="en-US" dirty="0" smtClean="0"/>
+              <a:t> </a:t>
+            </a:r>
+            <a:r>
+              <a:rPr lang="en-US" dirty="0" err="1" smtClean="0"/>
+              <a:t>thêm</a:t>
+            </a:r>
+            <a:r>
+              <a:rPr lang="en-US" dirty="0" smtClean="0"/>
+              <a:t> </a:t>
+            </a:r>
+            <a:r>
+              <a:rPr lang="en-US" dirty="0" err="1" smtClean="0"/>
+              <a:t>thông</a:t>
+            </a:r>
+            <a:r>
+              <a:rPr lang="en-US" dirty="0" smtClean="0"/>
+              <a:t> tin, </a:t>
+            </a:r>
+            <a:r>
+              <a:rPr lang="en-US" dirty="0" err="1" smtClean="0"/>
+              <a:t>cái</a:t>
+            </a:r>
+            <a:r>
+              <a:rPr lang="en-US" dirty="0" smtClean="0"/>
+              <a:t> </a:t>
+            </a:r>
+            <a:r>
+              <a:rPr lang="en-US" dirty="0" err="1" smtClean="0"/>
+              <a:t>mà</a:t>
+            </a:r>
+            <a:r>
+              <a:rPr lang="en-US" dirty="0" smtClean="0"/>
+              <a:t> </a:t>
+            </a:r>
+            <a:r>
+              <a:rPr lang="en-US" dirty="0" err="1" smtClean="0"/>
+              <a:t>không</a:t>
+            </a:r>
+            <a:r>
+              <a:rPr lang="en-US" dirty="0" smtClean="0"/>
+              <a:t> </a:t>
+            </a:r>
+            <a:r>
+              <a:rPr lang="en-US" dirty="0" err="1" smtClean="0"/>
+              <a:t>có</a:t>
+            </a:r>
+            <a:r>
+              <a:rPr lang="en-US" dirty="0" smtClean="0"/>
+              <a:t> ở </a:t>
+            </a:r>
+            <a:r>
+              <a:rPr lang="en-US" dirty="0" err="1" smtClean="0"/>
+              <a:t>trong</a:t>
+            </a:r>
+            <a:r>
+              <a:rPr lang="en-US" dirty="0" smtClean="0"/>
+              <a:t> advertisement packet</a:t>
+            </a:r>
+          </a:p>
+          <a:p>
+            <a:r>
+              <a:rPr lang="en-US" dirty="0" smtClean="0"/>
+              <a:t>Scan response: </a:t>
+            </a:r>
+            <a:r>
+              <a:rPr lang="en-US" dirty="0" err="1" smtClean="0"/>
+              <a:t>pheripheral</a:t>
+            </a:r>
+            <a:r>
+              <a:rPr lang="en-US" dirty="0" smtClean="0"/>
+              <a:t> </a:t>
+            </a:r>
+            <a:r>
+              <a:rPr lang="en-US" dirty="0" err="1" smtClean="0"/>
+              <a:t>gửi</a:t>
+            </a:r>
+            <a:r>
+              <a:rPr lang="en-US" dirty="0" smtClean="0"/>
+              <a:t> message </a:t>
+            </a:r>
+            <a:r>
+              <a:rPr lang="en-US" dirty="0" err="1" smtClean="0"/>
+              <a:t>cho</a:t>
+            </a:r>
+            <a:r>
+              <a:rPr lang="en-US" dirty="0" smtClean="0"/>
+              <a:t> central </a:t>
+            </a:r>
+            <a:r>
+              <a:rPr lang="en-US" dirty="0" err="1" smtClean="0"/>
+              <a:t>về</a:t>
+            </a:r>
+            <a:r>
+              <a:rPr lang="en-US" dirty="0" smtClean="0"/>
+              <a:t> data </a:t>
+            </a:r>
+            <a:r>
+              <a:rPr lang="en-US" dirty="0" err="1" smtClean="0"/>
+              <a:t>mà</a:t>
+            </a:r>
+            <a:r>
+              <a:rPr lang="en-US" dirty="0" smtClean="0"/>
+              <a:t> central </a:t>
+            </a:r>
+            <a:r>
+              <a:rPr lang="en-US" dirty="0" err="1" smtClean="0"/>
+              <a:t>cần</a:t>
+            </a:r>
+            <a:r>
+              <a:rPr lang="en-US" dirty="0" smtClean="0"/>
+              <a:t> .( </a:t>
+            </a:r>
+            <a:r>
+              <a:rPr lang="en-US" dirty="0" err="1" smtClean="0"/>
+              <a:t>mặc</a:t>
+            </a:r>
+            <a:r>
+              <a:rPr lang="en-US" dirty="0" smtClean="0"/>
+              <a:t> </a:t>
+            </a:r>
+            <a:r>
+              <a:rPr lang="en-US" dirty="0" err="1" smtClean="0"/>
+              <a:t>dù</a:t>
+            </a:r>
+            <a:r>
+              <a:rPr lang="en-US" dirty="0" smtClean="0"/>
+              <a:t> 2 </a:t>
+            </a:r>
+            <a:r>
+              <a:rPr lang="en-US" dirty="0" err="1" smtClean="0"/>
+              <a:t>thằng</a:t>
+            </a:r>
+            <a:r>
+              <a:rPr lang="en-US" dirty="0" smtClean="0"/>
+              <a:t> </a:t>
+            </a:r>
+            <a:r>
+              <a:rPr lang="en-US" dirty="0" err="1" smtClean="0"/>
+              <a:t>chưa</a:t>
+            </a:r>
+            <a:r>
+              <a:rPr lang="en-US" dirty="0" smtClean="0"/>
+              <a:t> </a:t>
+            </a:r>
+            <a:r>
+              <a:rPr lang="en-US" dirty="0" err="1" smtClean="0"/>
+              <a:t>tạo</a:t>
+            </a:r>
+            <a:r>
+              <a:rPr lang="en-US" dirty="0" smtClean="0"/>
+              <a:t> connection </a:t>
+            </a:r>
+            <a:r>
+              <a:rPr lang="en-US" dirty="0" err="1" smtClean="0"/>
+              <a:t>với</a:t>
+            </a:r>
+            <a:r>
+              <a:rPr lang="en-US" dirty="0" smtClean="0"/>
+              <a:t> </a:t>
+            </a:r>
+            <a:r>
+              <a:rPr lang="en-US" dirty="0" err="1" smtClean="0"/>
+              <a:t>nhau</a:t>
+            </a:r>
+            <a:r>
+              <a:rPr lang="en-US" dirty="0" smtClean="0"/>
+              <a:t>) </a:t>
+            </a:r>
+          </a:p>
+          <a:p>
+            <a:endParaRPr lang="en-US" dirty="0"/>
+          </a:p>
+        </p:txBody>
+      </p:sp>
+      <p:pic>
+        <p:nvPicPr>
+          <p:cNvPr id="4" name="Picture 3"/>
+          <p:cNvPicPr>
+            <a:picLocks noChangeAspect="1"/>
+          </p:cNvPicPr>
+          <p:nvPr/>
+        </p:nvPicPr>
+        <p:blipFill>
+          <a:blip r:embed="rId2"/>
+          <a:stretch>
+            <a:fillRect/>
+          </a:stretch>
+        </p:blipFill>
+        <p:spPr>
+          <a:xfrm>
+            <a:off x="3988970" y="4263813"/>
+            <a:ext cx="4921350" cy="2566248"/>
+          </a:xfrm>
+          <a:prstGeom prst="rect">
+            <a:avLst/>
+          </a:prstGeom>
+        </p:spPr>
+      </p:pic>
+    </p:spTree>
+    <p:extLst>
+      <p:ext uri="{BB962C8B-B14F-4D97-AF65-F5344CB8AC3E}">
+        <p14:creationId xmlns:p14="http://schemas.microsoft.com/office/powerpoint/2010/main" val="2745080165"/>
+      </p:ext>
+    </p:extLst>
+  </p:cSld>
+  <p:clrMapOvr>
+    <a:masterClrMapping/>
+  </p:clrMapOvr>
+</p:sld>
+</file>
+
+<file path=ppt/slides/slide12.xml><?xml version="1.0" encoding="utf-8"?>
+<p:sld xmlns:a="http://schemas.openxmlformats.org/drawingml/2006/main" xmlns:r="http://schemas.openxmlformats.org/officeDocument/2006/relationships" xmlns:p="http://schemas.openxmlformats.org/presentationml/2006/main">
+  <p:cSld>
+    <p:spTree>
+      <p:nvGrpSpPr>
+        <p:cNvPr id="1" name=""/>
+        <p:cNvGrpSpPr/>
+        <p:nvPr/>
+      </p:nvGrpSpPr>
+      <p:grpSpPr>
+        <a:xfrm>
+          <a:off x="0" y="0"/>
+          <a:ext cx="0" cy="0"/>
+          <a:chOff x="0" y="0"/>
+          <a:chExt cx="0" cy="0"/>
+        </a:xfrm>
+      </p:grpSpPr>
+      <p:sp>
+        <p:nvSpPr>
+          <p:cNvPr id="2" name="Title 1"/>
+          <p:cNvSpPr>
+            <a:spLocks noGrp="1"/>
+          </p:cNvSpPr>
+          <p:nvPr>
+            <p:ph type="title"/>
+          </p:nvPr>
+        </p:nvSpPr>
+        <p:spPr/>
+        <p:txBody>
+          <a:bodyPr/>
+          <a:lstStyle/>
+          <a:p>
+            <a:r>
+              <a:rPr lang="en-US" dirty="0" err="1" smtClean="0"/>
+              <a:t>Các</a:t>
+            </a:r>
+            <a:r>
+              <a:rPr lang="en-US" dirty="0" smtClean="0"/>
+              <a:t> </a:t>
+            </a:r>
+            <a:r>
+              <a:rPr lang="en-US" dirty="0" err="1" smtClean="0"/>
+              <a:t>kiểu</a:t>
+            </a:r>
+            <a:r>
+              <a:rPr lang="en-US" dirty="0" smtClean="0"/>
+              <a:t> advertising </a:t>
+            </a:r>
+            <a:endParaRPr lang="en-US" dirty="0"/>
+          </a:p>
+        </p:txBody>
+      </p:sp>
+      <p:sp>
+        <p:nvSpPr>
+          <p:cNvPr id="3" name="Content Placeholder 2"/>
+          <p:cNvSpPr>
+            <a:spLocks noGrp="1"/>
+          </p:cNvSpPr>
+          <p:nvPr>
+            <p:ph idx="1"/>
+          </p:nvPr>
+        </p:nvSpPr>
+        <p:spPr/>
+        <p:txBody>
+          <a:bodyPr/>
+          <a:lstStyle/>
+          <a:p>
+            <a:r>
+              <a:rPr lang="en-US" dirty="0" err="1" smtClean="0"/>
+              <a:t>Scanable</a:t>
+            </a:r>
+            <a:r>
+              <a:rPr lang="en-US" dirty="0" smtClean="0"/>
+              <a:t> and connectable: </a:t>
+            </a:r>
+            <a:r>
+              <a:rPr lang="en-US" dirty="0" err="1" smtClean="0"/>
+              <a:t>có</a:t>
+            </a:r>
+            <a:r>
+              <a:rPr lang="en-US" dirty="0" smtClean="0"/>
+              <a:t> </a:t>
+            </a:r>
+            <a:r>
+              <a:rPr lang="en-US" dirty="0" err="1" smtClean="0"/>
+              <a:t>thể</a:t>
+            </a:r>
+            <a:r>
+              <a:rPr lang="en-US" dirty="0" smtClean="0"/>
+              <a:t> scan , </a:t>
+            </a:r>
+            <a:r>
+              <a:rPr lang="en-US" dirty="0" err="1" smtClean="0"/>
+              <a:t>gửi</a:t>
+            </a:r>
+            <a:r>
+              <a:rPr lang="en-US" dirty="0" smtClean="0"/>
+              <a:t> scan request </a:t>
+            </a:r>
+            <a:r>
+              <a:rPr lang="en-US" dirty="0" err="1" smtClean="0"/>
+              <a:t>nhận</a:t>
+            </a:r>
+            <a:r>
+              <a:rPr lang="en-US" dirty="0" smtClean="0"/>
+              <a:t> response </a:t>
+            </a:r>
+            <a:r>
+              <a:rPr lang="en-US" dirty="0" err="1" smtClean="0"/>
+              <a:t>và</a:t>
+            </a:r>
+            <a:r>
+              <a:rPr lang="en-US" dirty="0" smtClean="0"/>
+              <a:t> </a:t>
+            </a:r>
+            <a:r>
+              <a:rPr lang="en-US" dirty="0" err="1" smtClean="0"/>
+              <a:t>thiết</a:t>
+            </a:r>
+            <a:r>
+              <a:rPr lang="en-US" dirty="0" smtClean="0"/>
+              <a:t> </a:t>
+            </a:r>
+            <a:r>
+              <a:rPr lang="en-US" dirty="0" err="1" smtClean="0"/>
+              <a:t>lập</a:t>
+            </a:r>
+            <a:r>
+              <a:rPr lang="en-US" dirty="0" smtClean="0"/>
+              <a:t> connection </a:t>
+            </a:r>
+          </a:p>
+          <a:p>
+            <a:r>
+              <a:rPr lang="en-US" dirty="0" smtClean="0"/>
+              <a:t>Directed connectable: </a:t>
+            </a:r>
+            <a:r>
+              <a:rPr lang="en-US" dirty="0" err="1" smtClean="0"/>
+              <a:t>không</a:t>
+            </a:r>
+            <a:r>
+              <a:rPr lang="en-US" dirty="0" smtClean="0"/>
+              <a:t> scan, </a:t>
+            </a:r>
+            <a:r>
+              <a:rPr lang="en-US" dirty="0" err="1" smtClean="0"/>
+              <a:t>tự</a:t>
+            </a:r>
+            <a:r>
+              <a:rPr lang="en-US" dirty="0" smtClean="0"/>
+              <a:t> </a:t>
+            </a:r>
+            <a:r>
+              <a:rPr lang="en-US" dirty="0" err="1" smtClean="0"/>
+              <a:t>động</a:t>
+            </a:r>
+            <a:r>
+              <a:rPr lang="en-US" dirty="0" smtClean="0"/>
+              <a:t> </a:t>
+            </a:r>
+            <a:r>
+              <a:rPr lang="en-US" dirty="0" err="1" smtClean="0"/>
+              <a:t>kết</a:t>
+            </a:r>
+            <a:r>
+              <a:rPr lang="en-US" dirty="0" smtClean="0"/>
+              <a:t> </a:t>
+            </a:r>
+            <a:r>
+              <a:rPr lang="en-US" dirty="0" err="1" smtClean="0"/>
+              <a:t>nối</a:t>
+            </a:r>
+            <a:endParaRPr lang="en-US" dirty="0" smtClean="0"/>
+          </a:p>
+          <a:p>
+            <a:r>
+              <a:rPr lang="en-US" dirty="0" smtClean="0"/>
+              <a:t>Non connectable and </a:t>
+            </a:r>
+            <a:r>
+              <a:rPr lang="en-US" dirty="0" err="1" smtClean="0"/>
+              <a:t>scannable</a:t>
+            </a:r>
+            <a:r>
+              <a:rPr lang="en-US" dirty="0" smtClean="0"/>
+              <a:t>: </a:t>
+            </a:r>
+            <a:r>
+              <a:rPr lang="en-US" dirty="0" err="1" smtClean="0"/>
+              <a:t>cho</a:t>
+            </a:r>
+            <a:r>
+              <a:rPr lang="en-US" dirty="0" smtClean="0"/>
+              <a:t> </a:t>
+            </a:r>
+            <a:r>
+              <a:rPr lang="en-US" dirty="0" err="1" smtClean="0"/>
+              <a:t>phép</a:t>
+            </a:r>
+            <a:r>
+              <a:rPr lang="en-US" dirty="0" smtClean="0"/>
+              <a:t> scan request, </a:t>
+            </a:r>
+            <a:r>
+              <a:rPr lang="en-US" dirty="0" err="1" smtClean="0"/>
+              <a:t>nhưng</a:t>
+            </a:r>
+            <a:r>
+              <a:rPr lang="en-US" dirty="0" smtClean="0"/>
+              <a:t> </a:t>
+            </a:r>
+            <a:r>
+              <a:rPr lang="en-US" dirty="0" err="1" smtClean="0"/>
+              <a:t>không</a:t>
+            </a:r>
+            <a:r>
+              <a:rPr lang="en-US" dirty="0" smtClean="0"/>
+              <a:t> </a:t>
+            </a:r>
+            <a:r>
+              <a:rPr lang="en-US" dirty="0" err="1" smtClean="0"/>
+              <a:t>cho</a:t>
+            </a:r>
+            <a:r>
+              <a:rPr lang="en-US" dirty="0" smtClean="0"/>
+              <a:t> connect </a:t>
+            </a:r>
+          </a:p>
+          <a:p>
+            <a:r>
+              <a:rPr lang="en-US" dirty="0" smtClean="0"/>
+              <a:t>Non connectable and non </a:t>
+            </a:r>
+            <a:r>
+              <a:rPr lang="en-US" dirty="0" err="1" smtClean="0"/>
+              <a:t>scannable</a:t>
+            </a:r>
+            <a:r>
+              <a:rPr lang="en-US" dirty="0" smtClean="0"/>
+              <a:t>: </a:t>
+            </a:r>
+            <a:r>
+              <a:rPr lang="en-US" dirty="0" err="1" smtClean="0"/>
+              <a:t>không</a:t>
+            </a:r>
+            <a:r>
+              <a:rPr lang="en-US" dirty="0" smtClean="0"/>
+              <a:t> </a:t>
+            </a:r>
+            <a:r>
+              <a:rPr lang="en-US" dirty="0" err="1" smtClean="0"/>
+              <a:t>cho</a:t>
+            </a:r>
+            <a:r>
+              <a:rPr lang="en-US" dirty="0" smtClean="0"/>
+              <a:t> scan, </a:t>
+            </a:r>
+            <a:r>
+              <a:rPr lang="en-US" dirty="0" err="1" smtClean="0"/>
+              <a:t>ko</a:t>
+            </a:r>
+            <a:r>
+              <a:rPr lang="en-US" dirty="0" smtClean="0"/>
+              <a:t> </a:t>
+            </a:r>
+            <a:r>
+              <a:rPr lang="en-US" dirty="0" err="1" smtClean="0"/>
+              <a:t>cho</a:t>
+            </a:r>
+            <a:r>
+              <a:rPr lang="en-US" dirty="0" smtClean="0"/>
+              <a:t> </a:t>
+            </a:r>
+            <a:r>
+              <a:rPr lang="en-US" dirty="0" err="1" smtClean="0"/>
+              <a:t>kết</a:t>
+            </a:r>
+            <a:r>
+              <a:rPr lang="en-US" dirty="0" smtClean="0"/>
+              <a:t> </a:t>
+            </a:r>
+            <a:r>
+              <a:rPr lang="en-US" dirty="0" err="1" smtClean="0"/>
+              <a:t>nối</a:t>
+            </a:r>
+            <a:r>
+              <a:rPr lang="en-US" dirty="0" smtClean="0"/>
+              <a:t> </a:t>
+            </a:r>
+            <a:endParaRPr lang="en-US" dirty="0"/>
+          </a:p>
+        </p:txBody>
+      </p:sp>
+    </p:spTree>
+    <p:extLst>
+      <p:ext uri="{BB962C8B-B14F-4D97-AF65-F5344CB8AC3E}">
+        <p14:creationId xmlns:p14="http://schemas.microsoft.com/office/powerpoint/2010/main" val="1598660438"/>
+      </p:ext>
+    </p:extLst>
+  </p:cSld>
+  <p:clrMapOvr>
+    <a:masterClrMapping/>
+  </p:clrMapOvr>
+</p:sld>
+</file>
+
 <file path=ppt/slides/slide2.xml><?xml version="1.0" encoding="utf-8"?>
 <p:sld xmlns:a="http://schemas.openxmlformats.org/drawingml/2006/main" xmlns:r="http://schemas.openxmlformats.org/officeDocument/2006/relationships" xmlns:p="http://schemas.openxmlformats.org/presentationml/2006/main">
   <p:cSld>
@@ -4033,7 +4869,7 @@
                 <a16:creationId xmlns:a16="http://schemas.microsoft.com/office/drawing/2014/main" id="{7FF47CB7-972F-479F-A36D-9E72D26EC8DA}"/>
               </a:ext>
               <a:ext uri="{C183D7F6-B498-43B3-948B-1728B52AA6E4}">
-                <adec:decorative xmlns:adec="http://schemas.microsoft.com/office/drawing/2017/decorative" val="1"/>
+                <adec:decorative xmlns:adec="http://schemas.microsoft.com/office/drawing/2017/decorative" xmlns="" val="1"/>
               </a:ext>
             </a:extLst>
           </p:cNvPr>
@@ -4109,7 +4945,7 @@
                 <a16:creationId xmlns:a16="http://schemas.microsoft.com/office/drawing/2014/main" id="{0D153B68-5844-490D-8E67-F616D6D721CA}"/>
               </a:ext>
               <a:ext uri="{C183D7F6-B498-43B3-948B-1728B52AA6E4}">
-                <adec:decorative xmlns:adec="http://schemas.microsoft.com/office/drawing/2017/decorative" val="1"/>
+                <adec:decorative xmlns:adec="http://schemas.microsoft.com/office/drawing/2017/decorative" xmlns="" val="1"/>
               </a:ext>
             </a:extLst>
           </p:cNvPr>
@@ -22054,7 +22890,7 @@
                 <a16:creationId xmlns:a16="http://schemas.microsoft.com/office/drawing/2014/main" id="{9A0D773F-7A7D-4DBB-9DEA-86BB8B8F4BC8}"/>
               </a:ext>
               <a:ext uri="{C183D7F6-B498-43B3-948B-1728B52AA6E4}">
-                <adec:decorative xmlns:adec="http://schemas.microsoft.com/office/drawing/2017/decorative" val="1"/>
+                <adec:decorative xmlns:adec="http://schemas.microsoft.com/office/drawing/2017/decorative" xmlns="" val="1"/>
               </a:ext>
             </a:extLst>
           </p:cNvPr>
@@ -23878,6 +24714,834 @@
 </p:sld>
 </file>
 
+<file path=ppt/slides/slide7.xml><?xml version="1.0" encoding="utf-8"?>
+<p:sld xmlns:a="http://schemas.openxmlformats.org/drawingml/2006/main" xmlns:r="http://schemas.openxmlformats.org/officeDocument/2006/relationships" xmlns:p="http://schemas.openxmlformats.org/presentationml/2006/main">
+  <p:cSld>
+    <p:spTree>
+      <p:nvGrpSpPr>
+        <p:cNvPr id="1" name=""/>
+        <p:cNvGrpSpPr/>
+        <p:nvPr/>
+      </p:nvGrpSpPr>
+      <p:grpSpPr>
+        <a:xfrm>
+          <a:off x="0" y="0"/>
+          <a:ext cx="0" cy="0"/>
+          <a:chOff x="0" y="0"/>
+          <a:chExt cx="0" cy="0"/>
+        </a:xfrm>
+      </p:grpSpPr>
+      <p:sp>
+        <p:nvSpPr>
+          <p:cNvPr id="2" name="Title 1"/>
+          <p:cNvSpPr>
+            <a:spLocks noGrp="1"/>
+          </p:cNvSpPr>
+          <p:nvPr>
+            <p:ph type="title"/>
+          </p:nvPr>
+        </p:nvSpPr>
+        <p:spPr/>
+        <p:txBody>
+          <a:bodyPr/>
+          <a:lstStyle/>
+          <a:p>
+            <a:r>
+              <a:rPr lang="en-US" dirty="0" smtClean="0"/>
+              <a:t>PHY: Radio modes </a:t>
+            </a:r>
+            <a:endParaRPr lang="en-US" dirty="0"/>
+          </a:p>
+        </p:txBody>
+      </p:sp>
+      <p:sp>
+        <p:nvSpPr>
+          <p:cNvPr id="3" name="Content Placeholder 2"/>
+          <p:cNvSpPr>
+            <a:spLocks noGrp="1"/>
+          </p:cNvSpPr>
+          <p:nvPr>
+            <p:ph idx="1"/>
+          </p:nvPr>
+        </p:nvSpPr>
+        <p:spPr/>
+        <p:txBody>
+          <a:bodyPr/>
+          <a:lstStyle/>
+          <a:p>
+            <a:r>
+              <a:rPr lang="en-US" dirty="0" err="1" smtClean="0"/>
+              <a:t>Lớp</a:t>
+            </a:r>
+            <a:r>
+              <a:rPr lang="en-US" dirty="0" smtClean="0"/>
+              <a:t> </a:t>
+            </a:r>
+            <a:r>
+              <a:rPr lang="en-US" dirty="0" err="1" smtClean="0"/>
+              <a:t>Phy</a:t>
+            </a:r>
+            <a:r>
+              <a:rPr lang="en-US" dirty="0" smtClean="0"/>
+              <a:t> </a:t>
+            </a:r>
+            <a:r>
+              <a:rPr lang="en-US" dirty="0" err="1" smtClean="0"/>
+              <a:t>hỗ</a:t>
+            </a:r>
+            <a:r>
+              <a:rPr lang="en-US" dirty="0" smtClean="0"/>
+              <a:t> </a:t>
+            </a:r>
+            <a:r>
+              <a:rPr lang="en-US" dirty="0" err="1" smtClean="0"/>
+              <a:t>trợ</a:t>
+            </a:r>
+            <a:r>
+              <a:rPr lang="en-US" dirty="0" smtClean="0"/>
+              <a:t> 2 </a:t>
+            </a:r>
+            <a:r>
+              <a:rPr lang="en-US" dirty="0" err="1" smtClean="0"/>
+              <a:t>tốc</a:t>
+            </a:r>
+            <a:r>
+              <a:rPr lang="en-US" dirty="0" smtClean="0"/>
+              <a:t> </a:t>
+            </a:r>
+            <a:r>
+              <a:rPr lang="en-US" dirty="0" err="1" smtClean="0"/>
+              <a:t>độ</a:t>
+            </a:r>
+            <a:r>
+              <a:rPr lang="en-US" dirty="0" smtClean="0"/>
+              <a:t>: 1M </a:t>
+            </a:r>
+            <a:r>
+              <a:rPr lang="en-US" dirty="0" err="1" smtClean="0"/>
+              <a:t>và</a:t>
+            </a:r>
+            <a:r>
+              <a:rPr lang="en-US" dirty="0" smtClean="0"/>
+              <a:t> 2M </a:t>
+            </a:r>
+            <a:endParaRPr lang="en-US" dirty="0"/>
+          </a:p>
+        </p:txBody>
+      </p:sp>
+    </p:spTree>
+    <p:extLst>
+      <p:ext uri="{BB962C8B-B14F-4D97-AF65-F5344CB8AC3E}">
+        <p14:creationId xmlns:p14="http://schemas.microsoft.com/office/powerpoint/2010/main" val="352914983"/>
+      </p:ext>
+    </p:extLst>
+  </p:cSld>
+  <p:clrMapOvr>
+    <a:masterClrMapping/>
+  </p:clrMapOvr>
+</p:sld>
+</file>
+
+<file path=ppt/slides/slide8.xml><?xml version="1.0" encoding="utf-8"?>
+<p:sld xmlns:a="http://schemas.openxmlformats.org/drawingml/2006/main" xmlns:r="http://schemas.openxmlformats.org/officeDocument/2006/relationships" xmlns:p="http://schemas.openxmlformats.org/presentationml/2006/main">
+  <p:cSld>
+    <p:spTree>
+      <p:nvGrpSpPr>
+        <p:cNvPr id="1" name=""/>
+        <p:cNvGrpSpPr/>
+        <p:nvPr/>
+      </p:nvGrpSpPr>
+      <p:grpSpPr>
+        <a:xfrm>
+          <a:off x="0" y="0"/>
+          <a:ext cx="0" cy="0"/>
+          <a:chOff x="0" y="0"/>
+          <a:chExt cx="0" cy="0"/>
+        </a:xfrm>
+      </p:grpSpPr>
+      <p:sp>
+        <p:nvSpPr>
+          <p:cNvPr id="2" name="Title 1"/>
+          <p:cNvSpPr>
+            <a:spLocks noGrp="1"/>
+          </p:cNvSpPr>
+          <p:nvPr>
+            <p:ph type="title"/>
+          </p:nvPr>
+        </p:nvSpPr>
+        <p:spPr/>
+        <p:txBody>
+          <a:bodyPr/>
+          <a:lstStyle/>
+          <a:p>
+            <a:r>
+              <a:rPr lang="en-US" dirty="0" smtClean="0"/>
+              <a:t>Advertisement </a:t>
+            </a:r>
+            <a:endParaRPr lang="en-US" dirty="0"/>
+          </a:p>
+        </p:txBody>
+      </p:sp>
+      <p:sp>
+        <p:nvSpPr>
+          <p:cNvPr id="3" name="Content Placeholder 2"/>
+          <p:cNvSpPr>
+            <a:spLocks noGrp="1"/>
+          </p:cNvSpPr>
+          <p:nvPr>
+            <p:ph idx="1"/>
+          </p:nvPr>
+        </p:nvSpPr>
+        <p:spPr/>
+        <p:txBody>
+          <a:bodyPr/>
+          <a:lstStyle/>
+          <a:p>
+            <a:r>
+              <a:rPr lang="en-US" dirty="0" smtClean="0"/>
+              <a:t>2 </a:t>
+            </a:r>
+            <a:r>
+              <a:rPr lang="en-US" dirty="0" err="1" smtClean="0"/>
+              <a:t>mục</a:t>
+            </a:r>
+            <a:r>
+              <a:rPr lang="en-US" dirty="0" smtClean="0"/>
+              <a:t> </a:t>
+            </a:r>
+            <a:r>
+              <a:rPr lang="en-US" dirty="0" err="1" smtClean="0"/>
+              <a:t>đích</a:t>
+            </a:r>
+            <a:r>
+              <a:rPr lang="en-US" dirty="0" smtClean="0"/>
+              <a:t> : broadcast data </a:t>
+            </a:r>
+            <a:r>
+              <a:rPr lang="en-US" dirty="0" err="1" smtClean="0"/>
+              <a:t>tới</a:t>
+            </a:r>
+            <a:r>
+              <a:rPr lang="en-US" dirty="0" smtClean="0"/>
+              <a:t> </a:t>
+            </a:r>
+            <a:r>
+              <a:rPr lang="en-US" dirty="0" err="1" smtClean="0"/>
+              <a:t>các</a:t>
+            </a:r>
+            <a:r>
+              <a:rPr lang="en-US" dirty="0" smtClean="0"/>
+              <a:t> </a:t>
+            </a:r>
+            <a:r>
+              <a:rPr lang="en-US" dirty="0" err="1" smtClean="0"/>
+              <a:t>thiết</a:t>
+            </a:r>
+            <a:r>
+              <a:rPr lang="en-US" dirty="0" smtClean="0"/>
+              <a:t> </a:t>
+            </a:r>
+            <a:r>
+              <a:rPr lang="en-US" dirty="0" err="1" smtClean="0"/>
+              <a:t>bị</a:t>
+            </a:r>
+            <a:r>
+              <a:rPr lang="en-US" dirty="0" smtClean="0"/>
+              <a:t> </a:t>
+            </a:r>
+            <a:r>
+              <a:rPr lang="en-US" dirty="0" err="1" smtClean="0"/>
+              <a:t>khác</a:t>
+            </a:r>
+            <a:r>
+              <a:rPr lang="en-US" dirty="0" smtClean="0"/>
+              <a:t> </a:t>
+            </a:r>
+            <a:r>
+              <a:rPr lang="en-US" dirty="0" err="1" smtClean="0"/>
+              <a:t>và</a:t>
+            </a:r>
+            <a:r>
+              <a:rPr lang="en-US" dirty="0" smtClean="0"/>
+              <a:t> </a:t>
+            </a:r>
+            <a:r>
+              <a:rPr lang="en-US" dirty="0" err="1" smtClean="0"/>
+              <a:t>quảng</a:t>
+            </a:r>
+            <a:r>
+              <a:rPr lang="en-US" dirty="0" smtClean="0"/>
+              <a:t> </a:t>
+            </a:r>
+            <a:r>
+              <a:rPr lang="en-US" dirty="0" err="1" smtClean="0"/>
+              <a:t>cáo</a:t>
+            </a:r>
+            <a:r>
+              <a:rPr lang="en-US" dirty="0" smtClean="0"/>
+              <a:t> </a:t>
+            </a:r>
+            <a:r>
+              <a:rPr lang="en-US" dirty="0" err="1" smtClean="0"/>
+              <a:t>nó</a:t>
+            </a:r>
+            <a:r>
+              <a:rPr lang="en-US" dirty="0" smtClean="0"/>
+              <a:t> </a:t>
+            </a:r>
+            <a:r>
+              <a:rPr lang="en-US" dirty="0" err="1" smtClean="0"/>
+              <a:t>để</a:t>
+            </a:r>
+            <a:r>
+              <a:rPr lang="en-US" dirty="0" smtClean="0"/>
+              <a:t> </a:t>
+            </a:r>
+            <a:r>
+              <a:rPr lang="en-US" dirty="0" err="1" smtClean="0"/>
+              <a:t>thiết</a:t>
+            </a:r>
+            <a:r>
+              <a:rPr lang="en-US" dirty="0" smtClean="0"/>
+              <a:t> </a:t>
+            </a:r>
+            <a:r>
+              <a:rPr lang="en-US" dirty="0" err="1" smtClean="0"/>
+              <a:t>bị</a:t>
+            </a:r>
+            <a:r>
+              <a:rPr lang="en-US" dirty="0" smtClean="0"/>
+              <a:t> </a:t>
+            </a:r>
+            <a:r>
+              <a:rPr lang="en-US" dirty="0" err="1" smtClean="0"/>
+              <a:t>khác</a:t>
+            </a:r>
+            <a:r>
+              <a:rPr lang="en-US" dirty="0" smtClean="0"/>
+              <a:t> </a:t>
+            </a:r>
+            <a:r>
+              <a:rPr lang="en-US" dirty="0" err="1" smtClean="0"/>
+              <a:t>kết</a:t>
+            </a:r>
+            <a:r>
+              <a:rPr lang="en-US" dirty="0" smtClean="0"/>
+              <a:t> </a:t>
+            </a:r>
+            <a:r>
+              <a:rPr lang="en-US" dirty="0" err="1" smtClean="0"/>
+              <a:t>nốimk</a:t>
+            </a:r>
+            <a:endParaRPr lang="en-US" dirty="0"/>
+          </a:p>
+        </p:txBody>
+      </p:sp>
+    </p:spTree>
+    <p:extLst>
+      <p:ext uri="{BB962C8B-B14F-4D97-AF65-F5344CB8AC3E}">
+        <p14:creationId xmlns:p14="http://schemas.microsoft.com/office/powerpoint/2010/main" val="4134739675"/>
+      </p:ext>
+    </p:extLst>
+  </p:cSld>
+  <p:clrMapOvr>
+    <a:masterClrMapping/>
+  </p:clrMapOvr>
+</p:sld>
+</file>
+
+<file path=ppt/slides/slide9.xml><?xml version="1.0" encoding="utf-8"?>
+<p:sld xmlns:a="http://schemas.openxmlformats.org/drawingml/2006/main" xmlns:r="http://schemas.openxmlformats.org/officeDocument/2006/relationships" xmlns:p="http://schemas.openxmlformats.org/presentationml/2006/main">
+  <p:cSld>
+    <p:spTree>
+      <p:nvGrpSpPr>
+        <p:cNvPr id="1" name=""/>
+        <p:cNvGrpSpPr/>
+        <p:nvPr/>
+      </p:nvGrpSpPr>
+      <p:grpSpPr>
+        <a:xfrm>
+          <a:off x="0" y="0"/>
+          <a:ext cx="0" cy="0"/>
+          <a:chOff x="0" y="0"/>
+          <a:chExt cx="0" cy="0"/>
+        </a:xfrm>
+      </p:grpSpPr>
+      <p:sp>
+        <p:nvSpPr>
+          <p:cNvPr id="2" name="Title 1"/>
+          <p:cNvSpPr>
+            <a:spLocks noGrp="1"/>
+          </p:cNvSpPr>
+          <p:nvPr>
+            <p:ph type="title"/>
+          </p:nvPr>
+        </p:nvSpPr>
+        <p:spPr/>
+        <p:txBody>
+          <a:bodyPr/>
+          <a:lstStyle/>
+          <a:p>
+            <a:endParaRPr lang="en-US" dirty="0"/>
+          </a:p>
+        </p:txBody>
+      </p:sp>
+      <p:sp>
+        <p:nvSpPr>
+          <p:cNvPr id="3" name="Content Placeholder 2"/>
+          <p:cNvSpPr>
+            <a:spLocks noGrp="1"/>
+          </p:cNvSpPr>
+          <p:nvPr>
+            <p:ph idx="1"/>
+          </p:nvPr>
+        </p:nvSpPr>
+        <p:spPr/>
+        <p:txBody>
+          <a:bodyPr/>
+          <a:lstStyle/>
+          <a:p>
+            <a:r>
+              <a:rPr lang="en-US" dirty="0" smtClean="0"/>
+              <a:t>Advertising intervals: </a:t>
+            </a:r>
+            <a:r>
+              <a:rPr lang="en-US" dirty="0" err="1" smtClean="0"/>
+              <a:t>khoảng</a:t>
+            </a:r>
+            <a:r>
+              <a:rPr lang="en-US" dirty="0" smtClean="0"/>
+              <a:t> </a:t>
+            </a:r>
+            <a:r>
+              <a:rPr lang="en-US" dirty="0" err="1" smtClean="0"/>
+              <a:t>thời</a:t>
+            </a:r>
+            <a:r>
+              <a:rPr lang="en-US" dirty="0" smtClean="0"/>
+              <a:t> </a:t>
+            </a:r>
+            <a:r>
+              <a:rPr lang="en-US" dirty="0" err="1" smtClean="0"/>
+              <a:t>gian</a:t>
+            </a:r>
+            <a:r>
+              <a:rPr lang="en-US" dirty="0" smtClean="0"/>
+              <a:t> </a:t>
+            </a:r>
+            <a:r>
+              <a:rPr lang="en-US" dirty="0" err="1" smtClean="0"/>
+              <a:t>mà</a:t>
+            </a:r>
+            <a:r>
+              <a:rPr lang="en-US" dirty="0" smtClean="0"/>
+              <a:t> </a:t>
+            </a:r>
+            <a:r>
+              <a:rPr lang="en-US" dirty="0" err="1" smtClean="0"/>
+              <a:t>thiết</a:t>
+            </a:r>
+            <a:r>
+              <a:rPr lang="en-US" dirty="0" smtClean="0"/>
+              <a:t> </a:t>
+            </a:r>
+            <a:r>
+              <a:rPr lang="en-US" dirty="0" err="1" smtClean="0"/>
+              <a:t>bị</a:t>
+            </a:r>
+            <a:r>
+              <a:rPr lang="en-US" dirty="0" smtClean="0"/>
+              <a:t> </a:t>
+            </a:r>
+            <a:r>
+              <a:rPr lang="en-US" dirty="0" err="1" smtClean="0"/>
+              <a:t>truyền</a:t>
+            </a:r>
+            <a:r>
+              <a:rPr lang="en-US" dirty="0" smtClean="0"/>
+              <a:t> </a:t>
+            </a:r>
+            <a:r>
+              <a:rPr lang="en-US" dirty="0" err="1" smtClean="0"/>
+              <a:t>gói</a:t>
+            </a:r>
+            <a:r>
+              <a:rPr lang="en-US" dirty="0" smtClean="0"/>
+              <a:t> tin </a:t>
+            </a:r>
+            <a:r>
+              <a:rPr lang="en-US" dirty="0" err="1" smtClean="0"/>
+              <a:t>quảng</a:t>
+            </a:r>
+            <a:r>
+              <a:rPr lang="en-US" dirty="0" smtClean="0"/>
+              <a:t> </a:t>
+            </a:r>
+            <a:r>
+              <a:rPr lang="en-US" dirty="0" err="1" smtClean="0"/>
+              <a:t>cáo</a:t>
+            </a:r>
+            <a:r>
+              <a:rPr lang="en-US" dirty="0" smtClean="0"/>
+              <a:t> </a:t>
+            </a:r>
+            <a:r>
+              <a:rPr lang="en-US" dirty="0" err="1" smtClean="0"/>
+              <a:t>theo</a:t>
+            </a:r>
+            <a:r>
+              <a:rPr lang="en-US" dirty="0" smtClean="0"/>
+              <a:t> </a:t>
+            </a:r>
+            <a:r>
+              <a:rPr lang="en-US" dirty="0" err="1" smtClean="0"/>
+              <a:t>chu</a:t>
+            </a:r>
+            <a:r>
+              <a:rPr lang="en-US" dirty="0" smtClean="0"/>
+              <a:t> </a:t>
+            </a:r>
+            <a:r>
+              <a:rPr lang="en-US" dirty="0" err="1" smtClean="0"/>
+              <a:t>kỳ</a:t>
+            </a:r>
+            <a:r>
+              <a:rPr lang="en-US" dirty="0" smtClean="0"/>
+              <a:t> </a:t>
+            </a:r>
+            <a:r>
+              <a:rPr lang="en-US" dirty="0" err="1" smtClean="0"/>
+              <a:t>cố</a:t>
+            </a:r>
+            <a:r>
+              <a:rPr lang="en-US" dirty="0" smtClean="0"/>
+              <a:t> </a:t>
+            </a:r>
+            <a:r>
+              <a:rPr lang="en-US" dirty="0" err="1" smtClean="0"/>
+              <a:t>định</a:t>
+            </a:r>
+            <a:r>
+              <a:rPr lang="en-US" dirty="0" smtClean="0"/>
+              <a:t> ( 20ms -&gt; 10.24s) , </a:t>
+            </a:r>
+            <a:r>
+              <a:rPr lang="en-US" dirty="0" err="1" smtClean="0"/>
+              <a:t>tăng</a:t>
+            </a:r>
+            <a:r>
+              <a:rPr lang="en-US" dirty="0" smtClean="0"/>
+              <a:t> </a:t>
+            </a:r>
+            <a:r>
+              <a:rPr lang="en-US" dirty="0" err="1" smtClean="0"/>
+              <a:t>dần</a:t>
+            </a:r>
+            <a:r>
+              <a:rPr lang="en-US" dirty="0" smtClean="0"/>
+              <a:t> </a:t>
+            </a:r>
+            <a:r>
+              <a:rPr lang="en-US" dirty="0" err="1" smtClean="0"/>
+              <a:t>mỗi</a:t>
+            </a:r>
+            <a:r>
+              <a:rPr lang="en-US" dirty="0" smtClean="0"/>
+              <a:t> 0.625 </a:t>
+            </a:r>
+            <a:r>
+              <a:rPr lang="en-US" dirty="0" err="1" smtClean="0"/>
+              <a:t>ms</a:t>
+            </a:r>
+            <a:r>
+              <a:rPr lang="en-US" dirty="0" smtClean="0"/>
+              <a:t> </a:t>
+            </a:r>
+          </a:p>
+          <a:p>
+            <a:r>
+              <a:rPr lang="en-US" dirty="0" smtClean="0"/>
+              <a:t>Set </a:t>
+            </a:r>
+            <a:r>
+              <a:rPr lang="en-US" dirty="0" err="1" smtClean="0"/>
+              <a:t>cái</a:t>
+            </a:r>
+            <a:r>
+              <a:rPr lang="en-US" dirty="0" smtClean="0"/>
+              <a:t> advertising intervals </a:t>
+            </a:r>
+            <a:r>
+              <a:rPr lang="en-US" dirty="0" err="1" smtClean="0"/>
+              <a:t>bé</a:t>
+            </a:r>
+            <a:r>
+              <a:rPr lang="en-US" dirty="0" smtClean="0"/>
+              <a:t> </a:t>
+            </a:r>
+            <a:r>
+              <a:rPr lang="en-US" dirty="0" err="1" smtClean="0"/>
+              <a:t>thì</a:t>
+            </a:r>
+            <a:r>
+              <a:rPr lang="en-US" dirty="0" smtClean="0"/>
+              <a:t> </a:t>
+            </a:r>
+            <a:r>
+              <a:rPr lang="en-US" dirty="0" err="1" smtClean="0"/>
+              <a:t>nó</a:t>
+            </a:r>
+            <a:r>
+              <a:rPr lang="en-US" dirty="0" smtClean="0"/>
+              <a:t> </a:t>
+            </a:r>
+            <a:r>
+              <a:rPr lang="en-US" dirty="0" err="1" smtClean="0"/>
+              <a:t>gửi</a:t>
+            </a:r>
+            <a:r>
+              <a:rPr lang="en-US" dirty="0" smtClean="0"/>
+              <a:t> </a:t>
+            </a:r>
+            <a:r>
+              <a:rPr lang="en-US" dirty="0" err="1" smtClean="0"/>
+              <a:t>bản</a:t>
+            </a:r>
+            <a:r>
+              <a:rPr lang="en-US" dirty="0" smtClean="0"/>
+              <a:t> tin </a:t>
+            </a:r>
+            <a:r>
+              <a:rPr lang="en-US" dirty="0" err="1" smtClean="0"/>
+              <a:t>càng</a:t>
+            </a:r>
+            <a:r>
+              <a:rPr lang="en-US" dirty="0" smtClean="0"/>
+              <a:t> </a:t>
+            </a:r>
+            <a:r>
+              <a:rPr lang="en-US" dirty="0" err="1" smtClean="0"/>
+              <a:t>nhiều</a:t>
+            </a:r>
+            <a:r>
+              <a:rPr lang="en-US" dirty="0" smtClean="0"/>
+              <a:t> -&gt; </a:t>
+            </a:r>
+            <a:r>
+              <a:rPr lang="en-US" dirty="0" err="1" smtClean="0"/>
+              <a:t>tốn</a:t>
+            </a:r>
+            <a:r>
+              <a:rPr lang="en-US" dirty="0" smtClean="0"/>
+              <a:t> </a:t>
+            </a:r>
+            <a:r>
+              <a:rPr lang="en-US" dirty="0" err="1" smtClean="0"/>
+              <a:t>năng</a:t>
+            </a:r>
+            <a:r>
+              <a:rPr lang="en-US" dirty="0" smtClean="0"/>
+              <a:t> </a:t>
+            </a:r>
+            <a:r>
+              <a:rPr lang="en-US" dirty="0" err="1" smtClean="0"/>
+              <a:t>lượng</a:t>
+            </a:r>
+            <a:r>
+              <a:rPr lang="en-US" dirty="0" smtClean="0"/>
+              <a:t> </a:t>
+            </a:r>
+          </a:p>
+          <a:p>
+            <a:r>
+              <a:rPr lang="en-US" dirty="0" smtClean="0"/>
+              <a:t>Advertisement channels: 40 </a:t>
+            </a:r>
+            <a:r>
+              <a:rPr lang="en-US" dirty="0" err="1" smtClean="0"/>
+              <a:t>kênh</a:t>
+            </a:r>
+            <a:r>
+              <a:rPr lang="en-US" dirty="0" smtClean="0"/>
+              <a:t>, 3 </a:t>
+            </a:r>
+            <a:r>
+              <a:rPr lang="en-US" dirty="0" err="1" smtClean="0"/>
+              <a:t>kênh</a:t>
+            </a:r>
+            <a:r>
+              <a:rPr lang="en-US" dirty="0" smtClean="0"/>
+              <a:t> </a:t>
+            </a:r>
+            <a:r>
+              <a:rPr lang="en-US" dirty="0" err="1" smtClean="0"/>
+              <a:t>chính</a:t>
+            </a:r>
+            <a:r>
+              <a:rPr lang="en-US" dirty="0" smtClean="0"/>
+              <a:t> </a:t>
+            </a:r>
+            <a:r>
+              <a:rPr lang="en-US" dirty="0" err="1" smtClean="0"/>
+              <a:t>chuyên</a:t>
+            </a:r>
+            <a:r>
+              <a:rPr lang="en-US" dirty="0" smtClean="0"/>
+              <a:t> </a:t>
+            </a:r>
+            <a:r>
+              <a:rPr lang="en-US" dirty="0" err="1" smtClean="0"/>
+              <a:t>để</a:t>
+            </a:r>
+            <a:r>
+              <a:rPr lang="en-US" dirty="0" smtClean="0"/>
+              <a:t> </a:t>
+            </a:r>
+            <a:r>
+              <a:rPr lang="en-US" dirty="0" err="1" smtClean="0"/>
+              <a:t>quảng</a:t>
+            </a:r>
+            <a:r>
+              <a:rPr lang="en-US" dirty="0" smtClean="0"/>
+              <a:t> </a:t>
+            </a:r>
+            <a:r>
+              <a:rPr lang="en-US" dirty="0" err="1" smtClean="0"/>
+              <a:t>cáo</a:t>
+            </a:r>
+            <a:r>
+              <a:rPr lang="en-US" dirty="0" smtClean="0"/>
+              <a:t>, 37 </a:t>
+            </a:r>
+            <a:r>
+              <a:rPr lang="en-US" dirty="0" err="1" smtClean="0"/>
+              <a:t>kênh</a:t>
+            </a:r>
+            <a:r>
+              <a:rPr lang="en-US" dirty="0" smtClean="0"/>
+              <a:t> </a:t>
+            </a:r>
+            <a:r>
+              <a:rPr lang="en-US" dirty="0" err="1" smtClean="0"/>
+              <a:t>thứ</a:t>
+            </a:r>
+            <a:r>
+              <a:rPr lang="en-US" dirty="0" smtClean="0"/>
+              <a:t> </a:t>
+            </a:r>
+            <a:r>
+              <a:rPr lang="en-US" dirty="0" err="1" smtClean="0"/>
+              <a:t>cấp</a:t>
+            </a:r>
+            <a:r>
+              <a:rPr lang="en-US" dirty="0" smtClean="0"/>
+              <a:t> </a:t>
+            </a:r>
+            <a:r>
+              <a:rPr lang="en-US" dirty="0" err="1" smtClean="0"/>
+              <a:t>thường</a:t>
+            </a:r>
+            <a:r>
+              <a:rPr lang="en-US" dirty="0" smtClean="0"/>
+              <a:t> </a:t>
+            </a:r>
+            <a:r>
+              <a:rPr lang="en-US" dirty="0" err="1" smtClean="0"/>
+              <a:t>để</a:t>
+            </a:r>
+            <a:r>
+              <a:rPr lang="en-US" dirty="0" smtClean="0"/>
+              <a:t> </a:t>
+            </a:r>
+            <a:r>
+              <a:rPr lang="en-US" dirty="0" err="1" smtClean="0"/>
+              <a:t>truyền</a:t>
+            </a:r>
+            <a:r>
+              <a:rPr lang="en-US" dirty="0" smtClean="0"/>
+              <a:t> data </a:t>
+            </a:r>
+            <a:r>
+              <a:rPr lang="en-US" dirty="0" err="1" smtClean="0"/>
+              <a:t>sau</a:t>
+            </a:r>
+            <a:r>
+              <a:rPr lang="en-US" dirty="0" smtClean="0"/>
+              <a:t> </a:t>
+            </a:r>
+            <a:r>
+              <a:rPr lang="en-US" dirty="0" err="1" smtClean="0"/>
+              <a:t>khi</a:t>
+            </a:r>
+            <a:r>
+              <a:rPr lang="en-US" dirty="0" smtClean="0"/>
+              <a:t> </a:t>
+            </a:r>
+            <a:r>
+              <a:rPr lang="en-US" dirty="0" err="1" smtClean="0"/>
+              <a:t>đã</a:t>
+            </a:r>
+            <a:r>
+              <a:rPr lang="en-US" dirty="0" smtClean="0"/>
+              <a:t> </a:t>
+            </a:r>
+            <a:r>
+              <a:rPr lang="en-US" dirty="0" err="1" smtClean="0"/>
+              <a:t>thiết</a:t>
+            </a:r>
+            <a:r>
+              <a:rPr lang="en-US" dirty="0" smtClean="0"/>
+              <a:t> </a:t>
+            </a:r>
+            <a:r>
+              <a:rPr lang="en-US" dirty="0" err="1" smtClean="0"/>
+              <a:t>lập</a:t>
+            </a:r>
+            <a:r>
+              <a:rPr lang="en-US" dirty="0" smtClean="0"/>
+              <a:t> </a:t>
+            </a:r>
+            <a:r>
+              <a:rPr lang="en-US" dirty="0" err="1" smtClean="0"/>
+              <a:t>được</a:t>
+            </a:r>
+            <a:r>
+              <a:rPr lang="en-US" dirty="0" smtClean="0"/>
+              <a:t> </a:t>
+            </a:r>
+            <a:r>
+              <a:rPr lang="en-US" dirty="0" err="1" smtClean="0"/>
+              <a:t>kết</a:t>
+            </a:r>
+            <a:r>
+              <a:rPr lang="en-US" dirty="0" smtClean="0"/>
+              <a:t> </a:t>
+            </a:r>
+            <a:r>
+              <a:rPr lang="en-US" dirty="0" err="1" smtClean="0"/>
+              <a:t>nối</a:t>
+            </a:r>
+            <a:r>
+              <a:rPr lang="en-US" dirty="0" smtClean="0"/>
+              <a:t> </a:t>
+            </a:r>
+            <a:endParaRPr lang="en-US" dirty="0"/>
+          </a:p>
+        </p:txBody>
+      </p:sp>
+    </p:spTree>
+    <p:extLst>
+      <p:ext uri="{BB962C8B-B14F-4D97-AF65-F5344CB8AC3E}">
+        <p14:creationId xmlns:p14="http://schemas.microsoft.com/office/powerpoint/2010/main" val="1343450038"/>
+      </p:ext>
+    </p:extLst>
+  </p:cSld>
+  <p:clrMapOvr>
+    <a:masterClrMapping/>
+  </p:clrMapOvr>
+</p:sld>
+</file>
+
 <file path=ppt/theme/theme1.xml><?xml version="1.0" encoding="utf-8"?>
 <a:theme xmlns:a="http://schemas.openxmlformats.org/drawingml/2006/main" name="Office Theme">
   <a:themeElements>
